--- a/notes/03-python-programming-2.pptx
+++ b/notes/03-python-programming-2.pptx
@@ -5994,13 +5994,6 @@
   <p:clrMapOvr>
     <a:masterClrMapping/>
   </p:clrMapOvr>
-  <p:timing>
-    <p:tnLst>
-      <p:par>
-        <p:cTn id="1" dur="indefinite" restart="never" nodeType="tmRoot"/>
-      </p:par>
-    </p:tnLst>
-  </p:timing>
 </p:sld>
 </file>
 
@@ -6167,30 +6160,26 @@
             </a:pPr>
             <a:r>
               <a:rPr lang="en" dirty="0"/>
-              <a:t>Your main data structure should be </a:t>
-            </a:r>
-            <a:r>
-              <a:rPr lang="en" dirty="0" smtClean="0"/>
-              <a:t>a</a:t>
-            </a:r>
-            <a:r>
-              <a:rPr lang="en-US" dirty="0" smtClean="0"/>
+              <a:t>Your main data structure should be a</a:t>
+            </a:r>
+            <a:r>
+              <a:rPr lang="en-US" dirty="0"/>
               <a:t>n array </a:t>
             </a:r>
             <a:r>
-              <a:rPr lang="mr-IN" dirty="0" smtClean="0"/>
+              <a:rPr lang="mr-IN" dirty="0"/>
               <a:t>–</a:t>
             </a:r>
             <a:r>
-              <a:rPr lang="en-US" dirty="0" smtClean="0"/>
+              <a:rPr lang="en-US" dirty="0"/>
               <a:t> or two if you use </a:t>
             </a:r>
             <a:r>
-              <a:rPr lang="en-US" i="1" dirty="0" smtClean="0"/>
+              <a:rPr lang="en-US" i="1" dirty="0"/>
               <a:t>double buffering</a:t>
             </a:r>
             <a:r>
-              <a:rPr lang="en-US" dirty="0" smtClean="0"/>
+              <a:rPr lang="en-US" dirty="0"/>
               <a:t> (recommended)</a:t>
             </a:r>
             <a:endParaRPr dirty="0"/>
@@ -6207,12 +6196,8 @@
               <a:buChar char="●"/>
             </a:pPr>
             <a:r>
-              <a:rPr lang="en" dirty="0" smtClean="0"/>
-              <a:t>No </a:t>
-            </a:r>
-            <a:r>
               <a:rPr lang="en" dirty="0"/>
-              <a:t>fancy graphics necessary, just displaying </a:t>
+              <a:t>No fancy graphics necessary, just displaying </a:t>
             </a:r>
             <a:r>
               <a:rPr lang="en" dirty="0" err="1"/>
@@ -6220,18 +6205,14 @@
             </a:r>
             <a:r>
               <a:rPr lang="en" dirty="0"/>
-              <a:t> is fine.  (see function on next </a:t>
-            </a:r>
-            <a:r>
-              <a:rPr lang="en" dirty="0" smtClean="0"/>
-              <a:t>slide</a:t>
-            </a:r>
-            <a:r>
-              <a:rPr lang="en-US" dirty="0" smtClean="0"/>
+              <a:t> is fine.  (see function on next slide</a:t>
+            </a:r>
+            <a:r>
+              <a:rPr lang="en-US" dirty="0"/>
               <a:t>s</a:t>
             </a:r>
             <a:r>
-              <a:rPr lang="en" dirty="0" smtClean="0"/>
+              <a:rPr lang="en" dirty="0"/>
               <a:t>)</a:t>
             </a:r>
             <a:endParaRPr dirty="0"/>
@@ -6255,13 +6236,6 @@
   <p:clrMapOvr>
     <a:masterClrMapping/>
   </p:clrMapOvr>
-  <p:timing>
-    <p:tnLst>
-      <p:par>
-        <p:cTn id="1" dur="indefinite" restart="never" nodeType="tmRoot"/>
-      </p:par>
-    </p:tnLst>
-  </p:timing>
 </p:sld>
 </file>
 
@@ -6359,27 +6333,15 @@
               <a:buNone/>
             </a:pPr>
             <a:r>
-              <a:rPr lang="en" dirty="0" smtClean="0"/>
-              <a:t>Rules </a:t>
-            </a:r>
-            <a:r>
               <a:rPr lang="en" dirty="0"/>
-              <a:t>for the Game:</a:t>
+              <a:t>Rules for the Game:</a:t>
             </a:r>
             <a:endParaRPr dirty="0"/>
           </a:p>
           <a:p>
             <a:r>
               <a:rPr lang="en-US" dirty="0"/>
-              <a:t>Any live cell with fewer than two live </a:t>
-            </a:r>
-            <a:r>
-              <a:rPr lang="en-US" dirty="0" smtClean="0"/>
-              <a:t>neighbors </a:t>
-            </a:r>
-            <a:r>
-              <a:rPr lang="en-US" dirty="0"/>
-              <a:t>dies, as if caused by </a:t>
+              <a:t>Any live cell with fewer than two live neighbors dies, as if caused by </a:t>
             </a:r>
             <a:r>
               <a:rPr lang="en-US" dirty="0" err="1"/>
@@ -6393,43 +6355,19 @@
           <a:p>
             <a:r>
               <a:rPr lang="en-US" dirty="0"/>
-              <a:t>Any live cell with two or three live </a:t>
-            </a:r>
-            <a:r>
-              <a:rPr lang="en-US" dirty="0" smtClean="0"/>
-              <a:t>neighbors </a:t>
-            </a:r>
+              <a:t>Any live cell with two or three live neighbors lives on to the next generation.</a:t>
+            </a:r>
+          </a:p>
+          <a:p>
             <a:r>
               <a:rPr lang="en-US" dirty="0"/>
-              <a:t>lives on to the next generation.</a:t>
+              <a:t>Any live cell with more than three live neighbors dies, as if by overpopulation.</a:t>
             </a:r>
           </a:p>
           <a:p>
             <a:r>
               <a:rPr lang="en-US" dirty="0"/>
-              <a:t>Any live cell with more than three live </a:t>
-            </a:r>
-            <a:r>
-              <a:rPr lang="en-US" dirty="0" smtClean="0"/>
-              <a:t>neighbors </a:t>
-            </a:r>
-            <a:r>
-              <a:rPr lang="en-US" dirty="0"/>
-              <a:t>dies, as if by overpopulation.</a:t>
-            </a:r>
-          </a:p>
-          <a:p>
-            <a:r>
-              <a:rPr lang="en-US" dirty="0"/>
-              <a:t>Any dead cell with exactly three live </a:t>
-            </a:r>
-            <a:r>
-              <a:rPr lang="en-US" dirty="0" smtClean="0"/>
-              <a:t>neighbors </a:t>
-            </a:r>
-            <a:r>
-              <a:rPr lang="en-US" dirty="0"/>
-              <a:t>becomes a live cell, as if by reproduction.</a:t>
+              <a:t>Any dead cell with exactly three live neighbors becomes a live cell, as if by reproduction.</a:t>
             </a:r>
           </a:p>
           <a:p>
@@ -6451,13 +6389,6 @@
   <p:clrMapOvr>
     <a:masterClrMapping/>
   </p:clrMapOvr>
-  <p:timing>
-    <p:tnLst>
-      <p:par>
-        <p:cTn id="1" dur="indefinite" restart="never" nodeType="tmRoot"/>
-      </p:par>
-    </p:tnLst>
-  </p:timing>
 </p:sld>
 </file>
 
@@ -6583,13 +6514,6 @@
   <p:clrMapOvr>
     <a:masterClrMapping/>
   </p:clrMapOvr>
-  <p:timing>
-    <p:tnLst>
-      <p:par>
-        <p:cTn id="1" dur="indefinite" restart="never" nodeType="tmRoot"/>
-      </p:par>
-    </p:tnLst>
-  </p:timing>
 </p:sld>
 </file>
 
@@ -6691,13 +6615,6 @@
   <p:clrMapOvr>
     <a:masterClrMapping/>
   </p:clrMapOvr>
-  <p:timing>
-    <p:tnLst>
-      <p:par>
-        <p:cTn id="1" dur="indefinite" restart="never" nodeType="tmRoot"/>
-      </p:par>
-    </p:tnLst>
-  </p:timing>
 </p:sld>
 </file>
 
@@ -6799,20 +6716,12 @@
               <a:buChar char="●"/>
             </a:pPr>
             <a:r>
-              <a:rPr lang="en" dirty="0" smtClean="0">
-                <a:solidFill>
-                  <a:srgbClr val="000000"/>
-                </a:solidFill>
-              </a:rPr>
-              <a:t>Teamwork </a:t>
-            </a:r>
-            <a:r>
               <a:rPr lang="en" dirty="0">
                 <a:solidFill>
                   <a:srgbClr val="000000"/>
                 </a:solidFill>
               </a:rPr>
-              <a:t>allowed - see Teams</a:t>
+              <a:t>Teamwork allowed - see Teams</a:t>
             </a:r>
             <a:endParaRPr dirty="0">
               <a:solidFill>
@@ -6830,8 +6739,8 @@
         </p:nvSpPr>
         <p:spPr>
           <a:xfrm>
-            <a:off x="4641949" y="141847"/>
-            <a:ext cx="4263511" cy="3585600"/>
+            <a:off x="4125191" y="141847"/>
+            <a:ext cx="4780269" cy="3585600"/>
           </a:xfrm>
           <a:prstGeom prst="rect">
             <a:avLst/>
@@ -6857,196 +6766,132 @@
               <a:buNone/>
             </a:pPr>
             <a:r>
-              <a:rPr lang="en-US" dirty="0" smtClean="0"/>
+              <a:rPr lang="en-US" dirty="0"/>
               <a:t>Teams:</a:t>
             </a:r>
           </a:p>
           <a:p>
             <a:r>
               <a:rPr lang="en-US" dirty="0"/>
-              <a:t>Team 0:  Liam Patrick, Brevin </a:t>
+              <a:t>Team 0:  Jake Adam, </a:t>
             </a:r>
             <a:r>
               <a:rPr lang="en-US" dirty="0" err="1"/>
-              <a:t>Kordel</a:t>
+              <a:t>Hennjer</a:t>
             </a:r>
             <a:r>
               <a:rPr lang="en-US" dirty="0"/>
-              <a:t>, Cameron J, </a:t>
+              <a:t>, Ryan Richard, </a:t>
             </a:r>
           </a:p>
           <a:p>
             <a:r>
               <a:rPr lang="en-US" dirty="0"/>
-              <a:t>Team 1:  Alec Kai, Sean M, Isaac Michael, </a:t>
-            </a:r>
-          </a:p>
-          <a:p>
-            <a:r>
-              <a:rPr lang="en-US" dirty="0"/>
-              <a:t>Team 2:  Brandon L, </a:t>
+              <a:t>Team 1:  Timothy, Samantha N, </a:t>
             </a:r>
             <a:r>
               <a:rPr lang="en-US" dirty="0" err="1"/>
-              <a:t>PollyAnthony</a:t>
-            </a:r>
-            <a:r>
-              <a:rPr lang="en-US" dirty="0"/>
-              <a:t>, Kyle, </a:t>
-            </a:r>
-          </a:p>
-          <a:p>
-            <a:r>
-              <a:rPr lang="en-US" dirty="0"/>
-              <a:t>Team 3:  </a:t>
-            </a:r>
-            <a:r>
-              <a:rPr lang="en-US" dirty="0" err="1"/>
-              <a:t>Milucy</a:t>
-            </a:r>
-            <a:r>
-              <a:rPr lang="en-US" dirty="0"/>
-              <a:t> Freire, Johnny V, Max M, </a:t>
-            </a:r>
-          </a:p>
-          <a:p>
-            <a:r>
-              <a:rPr lang="en-US" dirty="0"/>
-              <a:t>Team 4:  John D., Andrew J, Christopher P, </a:t>
-            </a:r>
-          </a:p>
-          <a:p>
-            <a:r>
-              <a:rPr lang="en-US" dirty="0"/>
-              <a:t>Team 5:  </a:t>
-            </a:r>
-            <a:r>
-              <a:rPr lang="en-US" dirty="0" err="1"/>
-              <a:t>Eben</a:t>
+              <a:t>Korakot</a:t>
             </a:r>
             <a:r>
               <a:rPr lang="en-US" dirty="0"/>
               <a:t>, </a:t>
             </a:r>
+          </a:p>
+          <a:p>
+            <a:r>
+              <a:rPr lang="en-US" dirty="0"/>
+              <a:t>Team 2:  Kenney A, Patrick M, Jared P, </a:t>
+            </a:r>
+          </a:p>
+          <a:p>
+            <a:r>
+              <a:rPr lang="en-US" dirty="0"/>
+              <a:t>Team 3:  Joshua D, Giulia, Shannon Patrice, </a:t>
+            </a:r>
+          </a:p>
+          <a:p>
+            <a:r>
+              <a:rPr lang="en-US" dirty="0"/>
+              <a:t>Team 4:  Phidias, Camren Joseph, Evan Jonathan, </a:t>
+            </a:r>
+          </a:p>
+          <a:p>
+            <a:r>
+              <a:rPr lang="en-US" dirty="0"/>
+              <a:t>Team 5:  Dan Steven, Andrew Michael, Julio, </a:t>
+            </a:r>
+          </a:p>
+          <a:p>
+            <a:r>
+              <a:rPr lang="en-US" dirty="0"/>
+              <a:t>Team 6:  William Jordan, Sofia R, John Francis, </a:t>
+            </a:r>
+          </a:p>
+          <a:p>
+            <a:r>
+              <a:rPr lang="en-US" dirty="0"/>
+              <a:t>Team 7:  </a:t>
+            </a:r>
             <a:r>
               <a:rPr lang="en-US" dirty="0" err="1"/>
-              <a:t>Rotman</a:t>
+              <a:t>Yeury</a:t>
+            </a:r>
+            <a:r>
+              <a:rPr lang="en-US"/>
+              <a:t>, Timothy </a:t>
             </a:r>
             <a:r>
               <a:rPr lang="en-US" dirty="0"/>
-              <a:t> D, Jack Francis, </a:t>
+              <a:t>Terence, </a:t>
             </a:r>
           </a:p>
           <a:p>
             <a:r>
               <a:rPr lang="en-US" dirty="0"/>
-              <a:t>Team 6:  Chris, Shane R, John M., </a:t>
+              <a:t>Team 8:  C.J., Joey, Stephanie, </a:t>
             </a:r>
           </a:p>
           <a:p>
             <a:r>
               <a:rPr lang="en-US" dirty="0"/>
-              <a:t>Team 7:  Eric T, Alex M, Kurtis, </a:t>
-            </a:r>
-          </a:p>
-          <a:p>
+              <a:t>Team 9:  </a:t>
+            </a:r>
+            <a:r>
+              <a:rPr lang="en-US" dirty="0" err="1"/>
+              <a:t>Jaeke</a:t>
+            </a:r>
             <a:r>
               <a:rPr lang="en-US" dirty="0"/>
-              <a:t>Team 8:  Victoria, </a:t>
+              <a:t> R, Cody </a:t>
             </a:r>
             <a:r>
               <a:rPr lang="en-US" dirty="0" err="1"/>
-              <a:t>Fehmina</a:t>
+              <a:t>Rithysan</a:t>
             </a:r>
             <a:r>
               <a:rPr lang="en-US" dirty="0"/>
-              <a:t>, Jacob, </a:t>
+              <a:t>, Cole, </a:t>
             </a:r>
           </a:p>
           <a:p>
             <a:r>
               <a:rPr lang="en-US" dirty="0"/>
-              <a:t>Team 9:  Sabrina N., Nate Arthur, Mikayla J, </a:t>
+              <a:t>Team 10:  Zachary T, Tony Levada, Luca G, </a:t>
             </a:r>
           </a:p>
           <a:p>
             <a:r>
               <a:rPr lang="en-US" dirty="0"/>
-              <a:t>Team 10:  </a:t>
+              <a:t>Team 11:  </a:t>
             </a:r>
             <a:r>
               <a:rPr lang="en-US" dirty="0" err="1"/>
-              <a:t>Sedes</a:t>
+              <a:t>Emmely</a:t>
             </a:r>
             <a:r>
               <a:rPr lang="en-US" dirty="0"/>
-              <a:t>, Jessica, Logan, </a:t>
-            </a:r>
-          </a:p>
-          <a:p>
-            <a:r>
-              <a:rPr lang="en-US" dirty="0"/>
-              <a:t>Team 11:  Chen, Jacob Daniel, Jeffrey C, </a:t>
-            </a:r>
-          </a:p>
-          <a:p>
-            <a:r>
-              <a:rPr lang="en-US" dirty="0"/>
-              <a:t>Team 12:  Nicholas, Eunice M, John L, </a:t>
-            </a:r>
-          </a:p>
-          <a:p>
-            <a:r>
-              <a:rPr lang="en-US" dirty="0"/>
-              <a:t>Team 13:  Josh David, Lydia E, </a:t>
-            </a:r>
-            <a:r>
-              <a:rPr lang="en-US" dirty="0" err="1"/>
-              <a:t>HopeRose</a:t>
-            </a:r>
-            <a:r>
-              <a:rPr lang="en-US" dirty="0"/>
-              <a:t> Falco, </a:t>
-            </a:r>
-          </a:p>
-          <a:p>
-            <a:r>
-              <a:rPr lang="en-US" dirty="0"/>
-              <a:t>Team 14:  Michael, Ian G, Aaron, </a:t>
-            </a:r>
-          </a:p>
-          <a:p>
-            <a:r>
-              <a:rPr lang="en-US" dirty="0"/>
-              <a:t>Team 15:  </a:t>
-            </a:r>
-            <a:r>
-              <a:rPr lang="en-US" dirty="0" err="1"/>
-              <a:t>Geoffroy</a:t>
-            </a:r>
-            <a:r>
-              <a:rPr lang="en-US" dirty="0"/>
-              <a:t> L, Matthew R, Thomas J, </a:t>
-            </a:r>
-          </a:p>
-          <a:p>
-            <a:r>
-              <a:rPr lang="en-US" dirty="0"/>
-              <a:t>Team 16:  Christopher K, Reece D, Chris Joseph, </a:t>
-            </a:r>
-          </a:p>
-          <a:p>
-            <a:r>
-              <a:rPr lang="en-US" dirty="0"/>
-              <a:t>Team 17:  </a:t>
-            </a:r>
-            <a:r>
-              <a:rPr lang="en-US" dirty="0" err="1"/>
-              <a:t>Aman</a:t>
-            </a:r>
-            <a:r>
-              <a:rPr lang="en-US" dirty="0"/>
-              <a:t>, Mark Anthony, Cassie, </a:t>
+              <a:t>, Michael Russell, Joshua Patrick, </a:t>
             </a:r>
           </a:p>
           <a:p>
@@ -7068,13 +6913,6 @@
   <p:clrMapOvr>
     <a:masterClrMapping/>
   </p:clrMapOvr>
-  <p:timing>
-    <p:tnLst>
-      <p:par>
-        <p:cTn id="1" dur="indefinite" restart="never" nodeType="tmRoot"/>
-      </p:par>
-    </p:tnLst>
-  </p:timing>
 </p:sld>
 </file>
 
@@ -7674,13 +7512,6 @@
   <p:clrMapOvr>
     <a:masterClrMapping/>
   </p:clrMapOvr>
-  <p:timing>
-    <p:tnLst>
-      <p:par>
-        <p:cTn id="1" dur="indefinite" restart="never" nodeType="tmRoot"/>
-      </p:par>
-    </p:tnLst>
-  </p:timing>
 </p:sld>
 </file>
 
@@ -8155,13 +7986,6 @@
   <p:clrMapOvr>
     <a:masterClrMapping/>
   </p:clrMapOvr>
-  <p:timing>
-    <p:tnLst>
-      <p:par>
-        <p:cTn id="1" dur="indefinite" restart="never" nodeType="tmRoot"/>
-      </p:par>
-    </p:tnLst>
-  </p:timing>
 </p:sld>
 </file>
 
@@ -9065,13 +8889,6 @@
   <p:clrMapOvr>
     <a:masterClrMapping/>
   </p:clrMapOvr>
-  <p:timing>
-    <p:tnLst>
-      <p:par>
-        <p:cTn id="1" dur="indefinite" restart="never" nodeType="tmRoot"/>
-      </p:par>
-    </p:tnLst>
-  </p:timing>
 </p:sld>
 </file>
 
@@ -9471,13 +9288,6 @@
   <p:clrMapOvr>
     <a:masterClrMapping/>
   </p:clrMapOvr>
-  <p:timing>
-    <p:tnLst>
-      <p:par>
-        <p:cTn id="1" dur="indefinite" restart="never" nodeType="tmRoot"/>
-      </p:par>
-    </p:tnLst>
-  </p:timing>
 </p:sld>
 </file>
 
@@ -9576,14 +9386,10 @@
             </a:pPr>
             <a:r>
               <a:rPr lang="en" dirty="0"/>
-              <a:t>Pandas data frames - 2D arrays specifically designed for data processing</a:t>
-            </a:r>
-            <a:r>
-              <a:rPr lang="en" dirty="0" smtClean="0"/>
-              <a:t>!</a:t>
-            </a:r>
-            <a:r>
-              <a:rPr lang="en-US" dirty="0" smtClean="0"/>
+              <a:t>Pandas data frames - 2D arrays specifically designed for data processing!</a:t>
+            </a:r>
+            <a:r>
+              <a:rPr lang="en-US" dirty="0"/>
               <a:t> </a:t>
             </a:r>
           </a:p>
@@ -9598,16 +9404,8 @@
               <a:buNone/>
             </a:pPr>
             <a:r>
-              <a:rPr lang="en-US" dirty="0" smtClean="0"/>
-              <a:t>We will have much more to say about data </a:t>
-            </a:r>
-            <a:r>
               <a:rPr lang="en-US" dirty="0"/>
-              <a:t>f</a:t>
-            </a:r>
-            <a:r>
-              <a:rPr lang="en-US" dirty="0" smtClean="0"/>
-              <a:t>rames later on</a:t>
+              <a:t>We will have much more to say about data frames later on</a:t>
             </a:r>
             <a:endParaRPr dirty="0"/>
           </a:p>
@@ -10235,13 +10033,6 @@
   <p:clrMapOvr>
     <a:masterClrMapping/>
   </p:clrMapOvr>
-  <p:timing>
-    <p:tnLst>
-      <p:par>
-        <p:cTn id="1" dur="indefinite" restart="never" nodeType="tmRoot"/>
-      </p:par>
-    </p:tnLst>
-  </p:timing>
 </p:sld>
 </file>
 
@@ -10773,13 +10564,6 @@
   <p:clrMapOvr>
     <a:masterClrMapping/>
   </p:clrMapOvr>
-  <p:timing>
-    <p:tnLst>
-      <p:par>
-        <p:cTn id="1" dur="indefinite" restart="never" nodeType="tmRoot"/>
-      </p:par>
-    </p:tnLst>
-  </p:timing>
 </p:sld>
 </file>
 
@@ -10816,18 +10600,17 @@
           <a:lstStyle/>
           <a:p>
             <a:r>
-              <a:rPr lang="en-US" dirty="0" smtClean="0"/>
+              <a:rPr lang="en-US" dirty="0"/>
               <a:t>Python </a:t>
             </a:r>
             <a:r>
-              <a:rPr lang="mr-IN" dirty="0" smtClean="0"/>
+              <a:rPr lang="mr-IN" dirty="0"/>
               <a:t>–</a:t>
             </a:r>
             <a:r>
-              <a:rPr lang="en-US" dirty="0" smtClean="0"/>
+              <a:rPr lang="en-US" dirty="0"/>
               <a:t> Classes and Objects</a:t>
             </a:r>
-            <a:endParaRPr lang="en-US" dirty="0"/>
           </a:p>
         </p:txBody>
       </p:sp>
@@ -10854,44 +10637,43 @@
           <a:lstStyle/>
           <a:p>
             <a:r>
-              <a:rPr lang="en-US" dirty="0" smtClean="0"/>
+              <a:rPr lang="en-US" dirty="0"/>
               <a:t>Classes are dynamic objects in the spirit of Python: variables become defined when they appear in the program text.  </a:t>
             </a:r>
           </a:p>
           <a:p>
             <a:r>
-              <a:rPr lang="en-US" dirty="0" smtClean="0"/>
+              <a:rPr lang="en-US" dirty="0"/>
               <a:t>It matters where they appear!</a:t>
             </a:r>
           </a:p>
           <a:p>
             <a:r>
-              <a:rPr lang="en-US" dirty="0" smtClean="0"/>
+              <a:rPr lang="en-US" dirty="0"/>
               <a:t>No protection mechanisms </a:t>
             </a:r>
             <a:r>
-              <a:rPr lang="mr-IN" dirty="0" smtClean="0"/>
+              <a:rPr lang="mr-IN" dirty="0"/>
               <a:t>–</a:t>
             </a:r>
             <a:r>
-              <a:rPr lang="en-US" dirty="0" smtClean="0"/>
+              <a:rPr lang="en-US" dirty="0"/>
               <a:t> everything is globally visible!</a:t>
             </a:r>
           </a:p>
           <a:p>
             <a:r>
-              <a:rPr lang="en-US" dirty="0" smtClean="0"/>
+              <a:rPr lang="en-US" dirty="0"/>
               <a:t>Classes also support inheritance (I let you explore that</a:t>
             </a:r>
             <a:r>
-              <a:rPr lang="mr-IN" dirty="0" smtClean="0"/>
+              <a:rPr lang="mr-IN" dirty="0"/>
               <a:t>…</a:t>
             </a:r>
             <a:r>
-              <a:rPr lang="en-US" dirty="0" smtClean="0"/>
+              <a:rPr lang="en-US" dirty="0"/>
               <a:t>)</a:t>
             </a:r>
-            <a:endParaRPr lang="en-US" dirty="0"/>
           </a:p>
         </p:txBody>
       </p:sp>
@@ -10934,13 +10716,6 @@
   <p:clrMapOvr>
     <a:masterClrMapping/>
   </p:clrMapOvr>
-  <p:timing>
-    <p:tnLst>
-      <p:par>
-        <p:cTn id="1" dur="indefinite" restart="never" nodeType="tmRoot"/>
-      </p:par>
-    </p:tnLst>
-  </p:timing>
 </p:sld>
 </file>
 
@@ -10977,18 +10752,17 @@
           <a:lstStyle/>
           <a:p>
             <a:r>
-              <a:rPr lang="en-US" dirty="0" smtClean="0"/>
+              <a:rPr lang="en-US" dirty="0"/>
               <a:t>Python </a:t>
             </a:r>
             <a:r>
-              <a:rPr lang="mr-IN" dirty="0" smtClean="0"/>
+              <a:rPr lang="mr-IN" dirty="0"/>
               <a:t>–</a:t>
             </a:r>
             <a:r>
-              <a:rPr lang="en-US" dirty="0" smtClean="0"/>
+              <a:rPr lang="en-US" dirty="0"/>
               <a:t> Classes and Objects</a:t>
             </a:r>
-            <a:endParaRPr lang="en-US" dirty="0"/>
           </a:p>
         </p:txBody>
       </p:sp>
@@ -11044,34 +10818,33 @@
           <a:lstStyle/>
           <a:p>
             <a:r>
-              <a:rPr lang="en-US" dirty="0" smtClean="0"/>
+              <a:rPr lang="en-US" dirty="0"/>
               <a:t>Note: this is in </a:t>
             </a:r>
             <a:r>
-              <a:rPr lang="en-US" dirty="0" err="1" smtClean="0"/>
+              <a:rPr lang="en-US" dirty="0" err="1"/>
               <a:t>Jupyter</a:t>
             </a:r>
             <a:r>
-              <a:rPr lang="en-US" dirty="0" smtClean="0"/>
+              <a:rPr lang="en-US" dirty="0"/>
               <a:t> Notebook style </a:t>
             </a:r>
             <a:r>
-              <a:rPr lang="mr-IN" dirty="0" smtClean="0"/>
+              <a:rPr lang="mr-IN" dirty="0"/>
               <a:t>–</a:t>
             </a:r>
             <a:r>
-              <a:rPr lang="en-US" dirty="0" smtClean="0"/>
+              <a:rPr lang="en-US" dirty="0"/>
               <a:t> In is a program statement </a:t>
             </a:r>
             <a:r>
-              <a:rPr lang="mr-IN" dirty="0" smtClean="0"/>
+              <a:rPr lang="mr-IN" dirty="0"/>
               <a:t>–</a:t>
             </a:r>
             <a:r>
-              <a:rPr lang="en-US" dirty="0" smtClean="0"/>
+              <a:rPr lang="en-US" dirty="0"/>
               <a:t> Out is the interpreter output</a:t>
             </a:r>
-            <a:endParaRPr lang="en-US" dirty="0"/>
           </a:p>
         </p:txBody>
       </p:sp>
@@ -11085,13 +10858,6 @@
   <p:clrMapOvr>
     <a:masterClrMapping/>
   </p:clrMapOvr>
-  <p:timing>
-    <p:tnLst>
-      <p:par>
-        <p:cTn id="1" dur="indefinite" restart="never" nodeType="tmRoot"/>
-      </p:par>
-    </p:tnLst>
-  </p:timing>
 </p:sld>
 </file>
 

--- a/notes/03-python-programming-2.pptx
+++ b/notes/03-python-programming-2.pptx
@@ -6723,6 +6723,37 @@
               </a:rPr>
               <a:t>Teamwork allowed - see Teams</a:t>
             </a:r>
+          </a:p>
+          <a:p>
+            <a:pPr marL="457200" lvl="0" indent="-317500">
+              <a:spcBef>
+                <a:spcPts val="0"/>
+              </a:spcBef>
+              <a:spcAft>
+                <a:spcPts val="0"/>
+              </a:spcAft>
+              <a:buClr>
+                <a:srgbClr val="000000"/>
+              </a:buClr>
+              <a:buSzPts val="1400"/>
+              <a:buChar char="●"/>
+            </a:pPr>
+            <a:r>
+              <a:rPr lang="en" dirty="0">
+                <a:solidFill>
+                  <a:srgbClr val="000000"/>
+                </a:solidFill>
+              </a:rPr>
+              <a:t>DO NOT use Notebooks for this programming exercise unless you are using </a:t>
+            </a:r>
+            <a:r>
+              <a:rPr lang="en">
+                <a:solidFill>
+                  <a:srgbClr val="000000"/>
+                </a:solidFill>
+              </a:rPr>
+              <a:t>a graphics lib.</a:t>
+            </a:r>
             <a:endParaRPr dirty="0">
               <a:solidFill>
                 <a:srgbClr val="000000"/>
@@ -6838,12 +6869,8 @@
               <a:t>Yeury</a:t>
             </a:r>
             <a:r>
-              <a:rPr lang="en-US"/>
-              <a:t>, Timothy </a:t>
-            </a:r>
-            <a:r>
               <a:rPr lang="en-US" dirty="0"/>
-              <a:t>Terence, </a:t>
+              <a:t>, Timothy Terence, </a:t>
             </a:r>
           </a:p>
           <a:p>
